--- a/Clases/01-Fundamentals/SoftwareArchitecture-01-Fundamentals.pptx
+++ b/Clases/01-Fundamentals/SoftwareArchitecture-01-Fundamentals.pptx
@@ -344,7 +344,7 @@
           <a:p>
             <a:fld id="{5D7C6876-A6E7-1843-987D-7573B8E4B848}" type="datetimeFigureOut">
               <a:rPr lang="es-CO" smtClean="0"/>
-              <a:t>21/02/2025</a:t>
+              <a:t>25/02/2025</a:t>
             </a:fld>
             <a:endParaRPr lang="es-CO"/>
           </a:p>
@@ -578,7 +578,7 @@
           <a:p>
             <a:fld id="{5D7C6876-A6E7-1843-987D-7573B8E4B848}" type="datetimeFigureOut">
               <a:rPr lang="es-CO" smtClean="0"/>
-              <a:t>21/02/2025</a:t>
+              <a:t>25/02/2025</a:t>
             </a:fld>
             <a:endParaRPr lang="es-CO"/>
           </a:p>
@@ -786,7 +786,7 @@
           <a:p>
             <a:fld id="{5D7C6876-A6E7-1843-987D-7573B8E4B848}" type="datetimeFigureOut">
               <a:rPr lang="es-CO" smtClean="0"/>
-              <a:t>21/02/2025</a:t>
+              <a:t>25/02/2025</a:t>
             </a:fld>
             <a:endParaRPr lang="es-CO"/>
           </a:p>
@@ -1086,7 +1086,7 @@
           <a:p>
             <a:fld id="{5D7C6876-A6E7-1843-987D-7573B8E4B848}" type="datetimeFigureOut">
               <a:rPr lang="es-CO" smtClean="0"/>
-              <a:t>21/02/2025</a:t>
+              <a:t>25/02/2025</a:t>
             </a:fld>
             <a:endParaRPr lang="es-CO"/>
           </a:p>
@@ -1500,7 +1500,7 @@
           <a:p>
             <a:fld id="{5D7C6876-A6E7-1843-987D-7573B8E4B848}" type="datetimeFigureOut">
               <a:rPr lang="es-CO" smtClean="0"/>
-              <a:t>21/02/2025</a:t>
+              <a:t>25/02/2025</a:t>
             </a:fld>
             <a:endParaRPr lang="es-CO"/>
           </a:p>
@@ -1827,7 +1827,7 @@
           <a:p>
             <a:fld id="{5D7C6876-A6E7-1843-987D-7573B8E4B848}" type="datetimeFigureOut">
               <a:rPr lang="es-CO" smtClean="0"/>
-              <a:t>21/02/2025</a:t>
+              <a:t>25/02/2025</a:t>
             </a:fld>
             <a:endParaRPr lang="es-CO"/>
           </a:p>
@@ -2092,7 +2092,7 @@
           <a:p>
             <a:fld id="{5D7C6876-A6E7-1843-987D-7573B8E4B848}" type="datetimeFigureOut">
               <a:rPr lang="es-CO" smtClean="0"/>
-              <a:t>21/02/2025</a:t>
+              <a:t>25/02/2025</a:t>
             </a:fld>
             <a:endParaRPr lang="es-CO"/>
           </a:p>
@@ -2504,7 +2504,7 @@
           <a:p>
             <a:fld id="{5D7C6876-A6E7-1843-987D-7573B8E4B848}" type="datetimeFigureOut">
               <a:rPr lang="es-CO" smtClean="0"/>
-              <a:t>21/02/2025</a:t>
+              <a:t>25/02/2025</a:t>
             </a:fld>
             <a:endParaRPr lang="es-CO"/>
           </a:p>
@@ -2645,7 +2645,7 @@
           <a:p>
             <a:fld id="{5D7C6876-A6E7-1843-987D-7573B8E4B848}" type="datetimeFigureOut">
               <a:rPr lang="es-CO" smtClean="0"/>
-              <a:t>21/02/2025</a:t>
+              <a:t>25/02/2025</a:t>
             </a:fld>
             <a:endParaRPr lang="es-CO"/>
           </a:p>
@@ -2758,7 +2758,7 @@
           <a:p>
             <a:fld id="{5D7C6876-A6E7-1843-987D-7573B8E4B848}" type="datetimeFigureOut">
               <a:rPr lang="es-CO" smtClean="0"/>
-              <a:t>21/02/2025</a:t>
+              <a:t>25/02/2025</a:t>
             </a:fld>
             <a:endParaRPr lang="es-CO"/>
           </a:p>
@@ -3069,7 +3069,7 @@
           <a:p>
             <a:fld id="{5D7C6876-A6E7-1843-987D-7573B8E4B848}" type="datetimeFigureOut">
               <a:rPr lang="es-CO" smtClean="0"/>
-              <a:t>21/02/2025</a:t>
+              <a:t>25/02/2025</a:t>
             </a:fld>
             <a:endParaRPr lang="es-CO"/>
           </a:p>
@@ -3360,7 +3360,7 @@
           <a:p>
             <a:fld id="{5D7C6876-A6E7-1843-987D-7573B8E4B848}" type="datetimeFigureOut">
               <a:rPr lang="es-CO" smtClean="0"/>
-              <a:t>21/02/2025</a:t>
+              <a:t>25/02/2025</a:t>
             </a:fld>
             <a:endParaRPr lang="es-CO"/>
           </a:p>
@@ -3601,7 +3601,7 @@
           <a:p>
             <a:fld id="{5D7C6876-A6E7-1843-987D-7573B8E4B848}" type="datetimeFigureOut">
               <a:rPr lang="es-CO" smtClean="0"/>
-              <a:t>21/02/2025</a:t>
+              <a:t>25/02/2025</a:t>
             </a:fld>
             <a:endParaRPr lang="es-CO"/>
           </a:p>
@@ -8139,41 +8139,6 @@
           </a:p>
         </p:txBody>
       </p:sp>
-      <p:sp>
-        <p:nvSpPr>
-          <p:cNvPr id="6" name="Text Placeholder 5">
-            <a:extLst>
-              <a:ext uri="{FF2B5EF4-FFF2-40B4-BE49-F238E27FC236}">
-                <a16:creationId xmlns:a16="http://schemas.microsoft.com/office/drawing/2014/main" id="{3FBC9FEC-1F57-C81A-2F97-DA32C9D80419}"/>
-              </a:ext>
-            </a:extLst>
-          </p:cNvPr>
-          <p:cNvSpPr>
-            <a:spLocks noGrp="1"/>
-          </p:cNvSpPr>
-          <p:nvPr>
-            <p:ph type="body" idx="4294967295"/>
-          </p:nvPr>
-        </p:nvSpPr>
-        <p:spPr>
-          <a:xfrm>
-            <a:off x="0" y="420688"/>
-            <a:ext cx="3751263" cy="365125"/>
-          </a:xfrm>
-        </p:spPr>
-        <p:txBody>
-          <a:bodyPr>
-            <a:normAutofit fontScale="85000" lnSpcReduction="20000"/>
-          </a:bodyPr>
-          <a:lstStyle/>
-          <a:p>
-            <a:r>
-              <a:rPr lang="en-US" dirty="0"/>
-              <a:t> </a:t>
-            </a:r>
-          </a:p>
-        </p:txBody>
-      </p:sp>
     </p:spTree>
     <p:extLst>
       <p:ext uri="{BB962C8B-B14F-4D97-AF65-F5344CB8AC3E}">
@@ -8253,7 +8218,7 @@
         <p:spPr>
           <a:xfrm>
             <a:off x="838200" y="947523"/>
-            <a:ext cx="7294193" cy="4938495"/>
+            <a:ext cx="7294193" cy="5773952"/>
           </a:xfrm>
         </p:spPr>
         <p:txBody>
@@ -8357,262 +8322,6 @@
               <a:t>Scenarios: The description of an architecture is illustrated using a small set of use cases, or scenarios, which become a fifth view. The scenarios describe sequences of interactions between objects and between processes. They are used to identify architectural elements and to illustrate and validate the architecture design. They also serve as a starting point for tests of an architecture prototype. This view is also known as the use case view.</a:t>
             </a:r>
             <a:endParaRPr lang="en-US" sz="1600" dirty="0"/>
-          </a:p>
-        </p:txBody>
-      </p:sp>
-      <p:sp>
-        <p:nvSpPr>
-          <p:cNvPr id="6" name="Text Placeholder 5">
-            <a:extLst>
-              <a:ext uri="{FF2B5EF4-FFF2-40B4-BE49-F238E27FC236}">
-                <a16:creationId xmlns:a16="http://schemas.microsoft.com/office/drawing/2014/main" id="{3FBC9FEC-1F57-C81A-2F97-DA32C9D80419}"/>
-              </a:ext>
-            </a:extLst>
-          </p:cNvPr>
-          <p:cNvSpPr>
-            <a:spLocks noGrp="1"/>
-          </p:cNvSpPr>
-          <p:nvPr>
-            <p:ph type="body" idx="4294967295"/>
-          </p:nvPr>
-        </p:nvSpPr>
-        <p:spPr>
-          <a:xfrm>
-            <a:off x="0" y="420688"/>
-            <a:ext cx="3751263" cy="365125"/>
-          </a:xfrm>
-        </p:spPr>
-        <p:txBody>
-          <a:bodyPr>
-            <a:normAutofit fontScale="85000" lnSpcReduction="20000"/>
-          </a:bodyPr>
-          <a:lstStyle/>
-          <a:p>
-            <a:r>
-              <a:rPr lang="en-US" dirty="0"/>
-              <a:t> </a:t>
-            </a:r>
-          </a:p>
-        </p:txBody>
-      </p:sp>
-      <p:sp>
-        <p:nvSpPr>
-          <p:cNvPr id="2" name="Content Placeholder 4">
-            <a:extLst>
-              <a:ext uri="{FF2B5EF4-FFF2-40B4-BE49-F238E27FC236}">
-                <a16:creationId xmlns:a16="http://schemas.microsoft.com/office/drawing/2014/main" id="{8A6F171E-BC95-C51F-D08D-22B4F235EB2B}"/>
-              </a:ext>
-            </a:extLst>
-          </p:cNvPr>
-          <p:cNvSpPr txBox="1">
-            <a:spLocks/>
-          </p:cNvSpPr>
-          <p:nvPr/>
-        </p:nvSpPr>
-        <p:spPr>
-          <a:xfrm>
-            <a:off x="6749736" y="3429000"/>
-            <a:ext cx="5157355" cy="5312929"/>
-          </a:xfrm>
-          <a:prstGeom prst="rect">
-            <a:avLst/>
-          </a:prstGeom>
-        </p:spPr>
-        <p:txBody>
-          <a:bodyPr vert="horz" lIns="91440" tIns="45720" rIns="91440" bIns="45720" rtlCol="0">
-            <a:normAutofit/>
-          </a:bodyPr>
-          <a:lstStyle>
-            <a:lvl1pPr marL="228600" indent="-228600" algn="l" defTabSz="914400" rtl="0" eaLnBrk="1" latinLnBrk="0" hangingPunct="1">
-              <a:lnSpc>
-                <a:spcPct val="90000"/>
-              </a:lnSpc>
-              <a:spcBef>
-                <a:spcPts val="1000"/>
-              </a:spcBef>
-              <a:buClr>
-                <a:srgbClr val="FF0000"/>
-              </a:buClr>
-              <a:buFont typeface="Wingdings" panose="05000000000000000000" pitchFamily="2" charset="2"/>
-              <a:buChar char="§"/>
-              <a:defRPr sz="2800" kern="1200">
-                <a:solidFill>
-                  <a:schemeClr val="tx1"/>
-                </a:solidFill>
-                <a:latin typeface="+mn-lt"/>
-                <a:ea typeface="+mn-ea"/>
-                <a:cs typeface="+mn-cs"/>
-              </a:defRPr>
-            </a:lvl1pPr>
-            <a:lvl2pPr marL="685800" indent="-228600" algn="l" defTabSz="914400" rtl="0" eaLnBrk="1" latinLnBrk="0" hangingPunct="1">
-              <a:lnSpc>
-                <a:spcPct val="90000"/>
-              </a:lnSpc>
-              <a:spcBef>
-                <a:spcPts val="500"/>
-              </a:spcBef>
-              <a:buClr>
-                <a:schemeClr val="accent1"/>
-              </a:buClr>
-              <a:buFont typeface="Britannic Bold" panose="020B0903060703020204" pitchFamily="34" charset="0"/>
-              <a:buChar char="-"/>
-              <a:defRPr sz="2400" kern="1200">
-                <a:solidFill>
-                  <a:schemeClr val="tx1"/>
-                </a:solidFill>
-                <a:latin typeface="+mn-lt"/>
-                <a:ea typeface="+mn-ea"/>
-                <a:cs typeface="+mn-cs"/>
-              </a:defRPr>
-            </a:lvl2pPr>
-            <a:lvl3pPr marL="1143000" indent="-228600" algn="l" defTabSz="914400" rtl="0" eaLnBrk="1" latinLnBrk="0" hangingPunct="1">
-              <a:lnSpc>
-                <a:spcPct val="90000"/>
-              </a:lnSpc>
-              <a:spcBef>
-                <a:spcPts val="500"/>
-              </a:spcBef>
-              <a:buClr>
-                <a:schemeClr val="accent6"/>
-              </a:buClr>
-              <a:buFont typeface="Arial" panose="020B0604020202020204" pitchFamily="34" charset="0"/>
-              <a:buChar char="•"/>
-              <a:defRPr sz="2000" kern="1200">
-                <a:solidFill>
-                  <a:schemeClr val="tx1"/>
-                </a:solidFill>
-                <a:latin typeface="+mn-lt"/>
-                <a:ea typeface="+mn-ea"/>
-                <a:cs typeface="+mn-cs"/>
-              </a:defRPr>
-            </a:lvl3pPr>
-            <a:lvl4pPr marL="1600200" indent="-228600" algn="l" defTabSz="914400" rtl="0" eaLnBrk="1" latinLnBrk="0" hangingPunct="1">
-              <a:lnSpc>
-                <a:spcPct val="90000"/>
-              </a:lnSpc>
-              <a:spcBef>
-                <a:spcPts val="500"/>
-              </a:spcBef>
-              <a:buClr>
-                <a:schemeClr val="accent2"/>
-              </a:buClr>
-              <a:buFont typeface="Arial" panose="020B0604020202020204" pitchFamily="34" charset="0"/>
-              <a:buChar char="•"/>
-              <a:defRPr sz="1800" kern="1200">
-                <a:solidFill>
-                  <a:schemeClr val="tx1"/>
-                </a:solidFill>
-                <a:latin typeface="+mn-lt"/>
-                <a:ea typeface="+mn-ea"/>
-                <a:cs typeface="+mn-cs"/>
-              </a:defRPr>
-            </a:lvl4pPr>
-            <a:lvl5pPr marL="2057400" indent="-228600" algn="l" defTabSz="914400" rtl="0" eaLnBrk="1" latinLnBrk="0" hangingPunct="1">
-              <a:lnSpc>
-                <a:spcPct val="90000"/>
-              </a:lnSpc>
-              <a:spcBef>
-                <a:spcPts val="500"/>
-              </a:spcBef>
-              <a:buClr>
-                <a:schemeClr val="accent4"/>
-              </a:buClr>
-              <a:buFont typeface="Arial" panose="020B0604020202020204" pitchFamily="34" charset="0"/>
-              <a:buChar char="•"/>
-              <a:defRPr sz="1800" kern="1200">
-                <a:solidFill>
-                  <a:schemeClr val="tx1"/>
-                </a:solidFill>
-                <a:latin typeface="+mn-lt"/>
-                <a:ea typeface="+mn-ea"/>
-                <a:cs typeface="+mn-cs"/>
-              </a:defRPr>
-            </a:lvl5pPr>
-            <a:lvl6pPr marL="2514600" indent="-228600" algn="l" defTabSz="914400" rtl="0" eaLnBrk="1" latinLnBrk="0" hangingPunct="1">
-              <a:lnSpc>
-                <a:spcPct val="90000"/>
-              </a:lnSpc>
-              <a:spcBef>
-                <a:spcPts val="500"/>
-              </a:spcBef>
-              <a:buFont typeface="Arial" panose="020B0604020202020204" pitchFamily="34" charset="0"/>
-              <a:buChar char="•"/>
-              <a:defRPr sz="1800" kern="1200">
-                <a:solidFill>
-                  <a:schemeClr val="tx1"/>
-                </a:solidFill>
-                <a:latin typeface="+mn-lt"/>
-                <a:ea typeface="+mn-ea"/>
-                <a:cs typeface="+mn-cs"/>
-              </a:defRPr>
-            </a:lvl6pPr>
-            <a:lvl7pPr marL="2971800" indent="-228600" algn="l" defTabSz="914400" rtl="0" eaLnBrk="1" latinLnBrk="0" hangingPunct="1">
-              <a:lnSpc>
-                <a:spcPct val="90000"/>
-              </a:lnSpc>
-              <a:spcBef>
-                <a:spcPts val="500"/>
-              </a:spcBef>
-              <a:buFont typeface="Arial" panose="020B0604020202020204" pitchFamily="34" charset="0"/>
-              <a:buChar char="•"/>
-              <a:defRPr sz="1800" kern="1200">
-                <a:solidFill>
-                  <a:schemeClr val="tx1"/>
-                </a:solidFill>
-                <a:latin typeface="+mn-lt"/>
-                <a:ea typeface="+mn-ea"/>
-                <a:cs typeface="+mn-cs"/>
-              </a:defRPr>
-            </a:lvl7pPr>
-            <a:lvl8pPr marL="3429000" indent="-228600" algn="l" defTabSz="914400" rtl="0" eaLnBrk="1" latinLnBrk="0" hangingPunct="1">
-              <a:lnSpc>
-                <a:spcPct val="90000"/>
-              </a:lnSpc>
-              <a:spcBef>
-                <a:spcPts val="500"/>
-              </a:spcBef>
-              <a:buFont typeface="Arial" panose="020B0604020202020204" pitchFamily="34" charset="0"/>
-              <a:buChar char="•"/>
-              <a:defRPr sz="1800" kern="1200">
-                <a:solidFill>
-                  <a:schemeClr val="tx1"/>
-                </a:solidFill>
-                <a:latin typeface="+mn-lt"/>
-                <a:ea typeface="+mn-ea"/>
-                <a:cs typeface="+mn-cs"/>
-              </a:defRPr>
-            </a:lvl8pPr>
-            <a:lvl9pPr marL="3886200" indent="-228600" algn="l" defTabSz="914400" rtl="0" eaLnBrk="1" latinLnBrk="0" hangingPunct="1">
-              <a:lnSpc>
-                <a:spcPct val="90000"/>
-              </a:lnSpc>
-              <a:spcBef>
-                <a:spcPts val="500"/>
-              </a:spcBef>
-              <a:buFont typeface="Arial" panose="020B0604020202020204" pitchFamily="34" charset="0"/>
-              <a:buChar char="•"/>
-              <a:defRPr sz="1800" kern="1200">
-                <a:solidFill>
-                  <a:schemeClr val="tx1"/>
-                </a:solidFill>
-                <a:latin typeface="+mn-lt"/>
-                <a:ea typeface="+mn-ea"/>
-                <a:cs typeface="+mn-cs"/>
-              </a:defRPr>
-            </a:lvl9pPr>
-          </a:lstStyle>
-          <a:p>
-            <a:pPr algn="l">
-              <a:buFont typeface="Arial" panose="020B0604020202020204" pitchFamily="34" charset="0"/>
-              <a:buChar char="•"/>
-            </a:pPr>
-            <a:endParaRPr lang="en-US" b="0" i="0" dirty="0">
-              <a:solidFill>
-                <a:srgbClr val="202122"/>
-              </a:solidFill>
-              <a:effectLst/>
-              <a:latin typeface="Arial" panose="020B0604020202020204" pitchFamily="34" charset="0"/>
-            </a:endParaRPr>
           </a:p>
         </p:txBody>
       </p:sp>
@@ -10996,6 +10705,15 @@
 </file>
 
 <file path=customXml/item1.xml><?xml version="1.0" encoding="utf-8"?>
+<?mso-contentType ?>
+<FormTemplates xmlns="http://schemas.microsoft.com/sharepoint/v3/contenttype/forms">
+  <Display>DocumentLibraryForm</Display>
+  <Edit>DocumentLibraryForm</Edit>
+  <New>DocumentLibraryForm</New>
+</FormTemplates>
+</file>
+
+<file path=customXml/item2.xml><?xml version="1.0" encoding="utf-8"?>
 <p:properties xmlns:p="http://schemas.microsoft.com/office/2006/metadata/properties" xmlns:xsi="http://www.w3.org/2001/XMLSchema-instance" xmlns:pc="http://schemas.microsoft.com/office/infopath/2007/PartnerControls">
   <documentManagement>
     <lcf76f155ced4ddcb4097134ff3c332f xmlns="986c2aee-ed5d-4f8c-9a97-a123ff0f41d6">
@@ -11004,15 +10722,6 @@
     <TaxCatchAll xmlns="3dc4ad75-eb7a-4335-b796-582b00f977f8" xsi:nil="true"/>
   </documentManagement>
 </p:properties>
-</file>
-
-<file path=customXml/item2.xml><?xml version="1.0" encoding="utf-8"?>
-<?mso-contentType ?>
-<FormTemplates xmlns="http://schemas.microsoft.com/sharepoint/v3/contenttype/forms">
-  <Display>DocumentLibraryForm</Display>
-  <Edit>DocumentLibraryForm</Edit>
-  <New>DocumentLibraryForm</New>
-</FormTemplates>
 </file>
 
 <file path=customXml/item3.xml><?xml version="1.0" encoding="utf-8"?>
@@ -11225,6 +10934,14 @@
 </file>
 
 <file path=customXml/itemProps1.xml><?xml version="1.0" encoding="utf-8"?>
+<ds:datastoreItem xmlns:ds="http://schemas.openxmlformats.org/officeDocument/2006/customXml" ds:itemID="{54B8C7C7-268A-471B-B609-F14FCD4C456D}">
+  <ds:schemaRefs>
+    <ds:schemaRef ds:uri="http://schemas.microsoft.com/sharepoint/v3/contenttype/forms"/>
+  </ds:schemaRefs>
+</ds:datastoreItem>
+</file>
+
+<file path=customXml/itemProps2.xml><?xml version="1.0" encoding="utf-8"?>
 <ds:datastoreItem xmlns:ds="http://schemas.openxmlformats.org/officeDocument/2006/customXml" ds:itemID="{06EDF194-86FA-43FC-AA21-E535409CCAE8}">
   <ds:schemaRefs>
     <ds:schemaRef ds:uri="http://schemas.microsoft.com/office/2006/metadata/properties"/>
@@ -11232,14 +10949,6 @@
     <ds:schemaRef ds:uri="http://schemas.microsoft.com/office/infopath/2007/PartnerControls"/>
     <ds:schemaRef ds:uri="986c2aee-ed5d-4f8c-9a97-a123ff0f41d6"/>
     <ds:schemaRef ds:uri="3dc4ad75-eb7a-4335-b796-582b00f977f8"/>
-  </ds:schemaRefs>
-</ds:datastoreItem>
-</file>
-
-<file path=customXml/itemProps2.xml><?xml version="1.0" encoding="utf-8"?>
-<ds:datastoreItem xmlns:ds="http://schemas.openxmlformats.org/officeDocument/2006/customXml" ds:itemID="{54B8C7C7-268A-471B-B609-F14FCD4C456D}">
-  <ds:schemaRefs>
-    <ds:schemaRef ds:uri="http://schemas.microsoft.com/sharepoint/v3/contenttype/forms"/>
   </ds:schemaRefs>
 </ds:datastoreItem>
 </file>

--- a/Clases/01-Fundamentals/SoftwareArchitecture-01-Fundamentals.pptx
+++ b/Clases/01-Fundamentals/SoftwareArchitecture-01-Fundamentals.pptx
@@ -344,7 +344,7 @@
           <a:p>
             <a:fld id="{5D7C6876-A6E7-1843-987D-7573B8E4B848}" type="datetimeFigureOut">
               <a:rPr lang="es-CO" smtClean="0"/>
-              <a:t>25/02/2025</a:t>
+              <a:t>27/02/2025</a:t>
             </a:fld>
             <a:endParaRPr lang="es-CO"/>
           </a:p>
@@ -578,7 +578,7 @@
           <a:p>
             <a:fld id="{5D7C6876-A6E7-1843-987D-7573B8E4B848}" type="datetimeFigureOut">
               <a:rPr lang="es-CO" smtClean="0"/>
-              <a:t>25/02/2025</a:t>
+              <a:t>27/02/2025</a:t>
             </a:fld>
             <a:endParaRPr lang="es-CO"/>
           </a:p>
@@ -786,7 +786,7 @@
           <a:p>
             <a:fld id="{5D7C6876-A6E7-1843-987D-7573B8E4B848}" type="datetimeFigureOut">
               <a:rPr lang="es-CO" smtClean="0"/>
-              <a:t>25/02/2025</a:t>
+              <a:t>27/02/2025</a:t>
             </a:fld>
             <a:endParaRPr lang="es-CO"/>
           </a:p>
@@ -1086,7 +1086,7 @@
           <a:p>
             <a:fld id="{5D7C6876-A6E7-1843-987D-7573B8E4B848}" type="datetimeFigureOut">
               <a:rPr lang="es-CO" smtClean="0"/>
-              <a:t>25/02/2025</a:t>
+              <a:t>27/02/2025</a:t>
             </a:fld>
             <a:endParaRPr lang="es-CO"/>
           </a:p>
@@ -1500,7 +1500,7 @@
           <a:p>
             <a:fld id="{5D7C6876-A6E7-1843-987D-7573B8E4B848}" type="datetimeFigureOut">
               <a:rPr lang="es-CO" smtClean="0"/>
-              <a:t>25/02/2025</a:t>
+              <a:t>27/02/2025</a:t>
             </a:fld>
             <a:endParaRPr lang="es-CO"/>
           </a:p>
@@ -1827,7 +1827,7 @@
           <a:p>
             <a:fld id="{5D7C6876-A6E7-1843-987D-7573B8E4B848}" type="datetimeFigureOut">
               <a:rPr lang="es-CO" smtClean="0"/>
-              <a:t>25/02/2025</a:t>
+              <a:t>27/02/2025</a:t>
             </a:fld>
             <a:endParaRPr lang="es-CO"/>
           </a:p>
@@ -2092,7 +2092,7 @@
           <a:p>
             <a:fld id="{5D7C6876-A6E7-1843-987D-7573B8E4B848}" type="datetimeFigureOut">
               <a:rPr lang="es-CO" smtClean="0"/>
-              <a:t>25/02/2025</a:t>
+              <a:t>27/02/2025</a:t>
             </a:fld>
             <a:endParaRPr lang="es-CO"/>
           </a:p>
@@ -2504,7 +2504,7 @@
           <a:p>
             <a:fld id="{5D7C6876-A6E7-1843-987D-7573B8E4B848}" type="datetimeFigureOut">
               <a:rPr lang="es-CO" smtClean="0"/>
-              <a:t>25/02/2025</a:t>
+              <a:t>27/02/2025</a:t>
             </a:fld>
             <a:endParaRPr lang="es-CO"/>
           </a:p>
@@ -2645,7 +2645,7 @@
           <a:p>
             <a:fld id="{5D7C6876-A6E7-1843-987D-7573B8E4B848}" type="datetimeFigureOut">
               <a:rPr lang="es-CO" smtClean="0"/>
-              <a:t>25/02/2025</a:t>
+              <a:t>27/02/2025</a:t>
             </a:fld>
             <a:endParaRPr lang="es-CO"/>
           </a:p>
@@ -2758,7 +2758,7 @@
           <a:p>
             <a:fld id="{5D7C6876-A6E7-1843-987D-7573B8E4B848}" type="datetimeFigureOut">
               <a:rPr lang="es-CO" smtClean="0"/>
-              <a:t>25/02/2025</a:t>
+              <a:t>27/02/2025</a:t>
             </a:fld>
             <a:endParaRPr lang="es-CO"/>
           </a:p>
@@ -3069,7 +3069,7 @@
           <a:p>
             <a:fld id="{5D7C6876-A6E7-1843-987D-7573B8E4B848}" type="datetimeFigureOut">
               <a:rPr lang="es-CO" smtClean="0"/>
-              <a:t>25/02/2025</a:t>
+              <a:t>27/02/2025</a:t>
             </a:fld>
             <a:endParaRPr lang="es-CO"/>
           </a:p>
@@ -3360,7 +3360,7 @@
           <a:p>
             <a:fld id="{5D7C6876-A6E7-1843-987D-7573B8E4B848}" type="datetimeFigureOut">
               <a:rPr lang="es-CO" smtClean="0"/>
-              <a:t>25/02/2025</a:t>
+              <a:t>27/02/2025</a:t>
             </a:fld>
             <a:endParaRPr lang="es-CO"/>
           </a:p>
@@ -3601,7 +3601,7 @@
           <a:p>
             <a:fld id="{5D7C6876-A6E7-1843-987D-7573B8E4B848}" type="datetimeFigureOut">
               <a:rPr lang="es-CO" smtClean="0"/>
-              <a:t>25/02/2025</a:t>
+              <a:t>27/02/2025</a:t>
             </a:fld>
             <a:endParaRPr lang="es-CO"/>
           </a:p>
@@ -8697,7 +8697,15 @@
           <a:p>
             <a:r>
               <a:rPr lang="en-US" dirty="0"/>
-              <a:t>Not all can be achieved in system, we need to prioritize the abilities </a:t>
+              <a:t>Not all can be achieved in system, we need to prioritize the x-</a:t>
+            </a:r>
+            <a:r>
+              <a:rPr lang="en-US" dirty="0" err="1"/>
+              <a:t>bilities</a:t>
+            </a:r>
+            <a:r>
+              <a:rPr lang="en-US" dirty="0"/>
+              <a:t> </a:t>
             </a:r>
           </a:p>
           <a:p>
@@ -10705,15 +10713,6 @@
 </file>
 
 <file path=customXml/item1.xml><?xml version="1.0" encoding="utf-8"?>
-<?mso-contentType ?>
-<FormTemplates xmlns="http://schemas.microsoft.com/sharepoint/v3/contenttype/forms">
-  <Display>DocumentLibraryForm</Display>
-  <Edit>DocumentLibraryForm</Edit>
-  <New>DocumentLibraryForm</New>
-</FormTemplates>
-</file>
-
-<file path=customXml/item2.xml><?xml version="1.0" encoding="utf-8"?>
 <p:properties xmlns:p="http://schemas.microsoft.com/office/2006/metadata/properties" xmlns:xsi="http://www.w3.org/2001/XMLSchema-instance" xmlns:pc="http://schemas.microsoft.com/office/infopath/2007/PartnerControls">
   <documentManagement>
     <lcf76f155ced4ddcb4097134ff3c332f xmlns="986c2aee-ed5d-4f8c-9a97-a123ff0f41d6">
@@ -10722,6 +10721,15 @@
     <TaxCatchAll xmlns="3dc4ad75-eb7a-4335-b796-582b00f977f8" xsi:nil="true"/>
   </documentManagement>
 </p:properties>
+</file>
+
+<file path=customXml/item2.xml><?xml version="1.0" encoding="utf-8"?>
+<?mso-contentType ?>
+<FormTemplates xmlns="http://schemas.microsoft.com/sharepoint/v3/contenttype/forms">
+  <Display>DocumentLibraryForm</Display>
+  <Edit>DocumentLibraryForm</Edit>
+  <New>DocumentLibraryForm</New>
+</FormTemplates>
 </file>
 
 <file path=customXml/item3.xml><?xml version="1.0" encoding="utf-8"?>
@@ -10934,14 +10942,6 @@
 </file>
 
 <file path=customXml/itemProps1.xml><?xml version="1.0" encoding="utf-8"?>
-<ds:datastoreItem xmlns:ds="http://schemas.openxmlformats.org/officeDocument/2006/customXml" ds:itemID="{54B8C7C7-268A-471B-B609-F14FCD4C456D}">
-  <ds:schemaRefs>
-    <ds:schemaRef ds:uri="http://schemas.microsoft.com/sharepoint/v3/contenttype/forms"/>
-  </ds:schemaRefs>
-</ds:datastoreItem>
-</file>
-
-<file path=customXml/itemProps2.xml><?xml version="1.0" encoding="utf-8"?>
 <ds:datastoreItem xmlns:ds="http://schemas.openxmlformats.org/officeDocument/2006/customXml" ds:itemID="{06EDF194-86FA-43FC-AA21-E535409CCAE8}">
   <ds:schemaRefs>
     <ds:schemaRef ds:uri="http://schemas.microsoft.com/office/2006/metadata/properties"/>
@@ -10949,6 +10949,14 @@
     <ds:schemaRef ds:uri="http://schemas.microsoft.com/office/infopath/2007/PartnerControls"/>
     <ds:schemaRef ds:uri="986c2aee-ed5d-4f8c-9a97-a123ff0f41d6"/>
     <ds:schemaRef ds:uri="3dc4ad75-eb7a-4335-b796-582b00f977f8"/>
+  </ds:schemaRefs>
+</ds:datastoreItem>
+</file>
+
+<file path=customXml/itemProps2.xml><?xml version="1.0" encoding="utf-8"?>
+<ds:datastoreItem xmlns:ds="http://schemas.openxmlformats.org/officeDocument/2006/customXml" ds:itemID="{54B8C7C7-268A-471B-B609-F14FCD4C456D}">
+  <ds:schemaRefs>
+    <ds:schemaRef ds:uri="http://schemas.microsoft.com/sharepoint/v3/contenttype/forms"/>
   </ds:schemaRefs>
 </ds:datastoreItem>
 </file>

--- a/Clases/01-Fundamentals/SoftwareArchitecture-01-Fundamentals.pptx
+++ b/Clases/01-Fundamentals/SoftwareArchitecture-01-Fundamentals.pptx
@@ -20,9 +20,8 @@
     <p:sldId id="278" r:id="rId17"/>
     <p:sldId id="277" r:id="rId18"/>
     <p:sldId id="282" r:id="rId19"/>
-    <p:sldId id="283" r:id="rId20"/>
-    <p:sldId id="284" r:id="rId21"/>
-    <p:sldId id="285" r:id="rId22"/>
+    <p:sldId id="284" r:id="rId20"/>
+    <p:sldId id="285" r:id="rId21"/>
   </p:sldIdLst>
   <p:sldSz cx="12192000" cy="6858000"/>
   <p:notesSz cx="6858000" cy="9144000"/>
@@ -344,7 +343,7 @@
           <a:p>
             <a:fld id="{5D7C6876-A6E7-1843-987D-7573B8E4B848}" type="datetimeFigureOut">
               <a:rPr lang="es-CO" smtClean="0"/>
-              <a:t>27/02/2025</a:t>
+              <a:t>5/03/2025</a:t>
             </a:fld>
             <a:endParaRPr lang="es-CO"/>
           </a:p>
@@ -578,7 +577,7 @@
           <a:p>
             <a:fld id="{5D7C6876-A6E7-1843-987D-7573B8E4B848}" type="datetimeFigureOut">
               <a:rPr lang="es-CO" smtClean="0"/>
-              <a:t>27/02/2025</a:t>
+              <a:t>5/03/2025</a:t>
             </a:fld>
             <a:endParaRPr lang="es-CO"/>
           </a:p>
@@ -786,7 +785,7 @@
           <a:p>
             <a:fld id="{5D7C6876-A6E7-1843-987D-7573B8E4B848}" type="datetimeFigureOut">
               <a:rPr lang="es-CO" smtClean="0"/>
-              <a:t>27/02/2025</a:t>
+              <a:t>5/03/2025</a:t>
             </a:fld>
             <a:endParaRPr lang="es-CO"/>
           </a:p>
@@ -1086,7 +1085,7 @@
           <a:p>
             <a:fld id="{5D7C6876-A6E7-1843-987D-7573B8E4B848}" type="datetimeFigureOut">
               <a:rPr lang="es-CO" smtClean="0"/>
-              <a:t>27/02/2025</a:t>
+              <a:t>5/03/2025</a:t>
             </a:fld>
             <a:endParaRPr lang="es-CO"/>
           </a:p>
@@ -1500,7 +1499,7 @@
           <a:p>
             <a:fld id="{5D7C6876-A6E7-1843-987D-7573B8E4B848}" type="datetimeFigureOut">
               <a:rPr lang="es-CO" smtClean="0"/>
-              <a:t>27/02/2025</a:t>
+              <a:t>5/03/2025</a:t>
             </a:fld>
             <a:endParaRPr lang="es-CO"/>
           </a:p>
@@ -1827,7 +1826,7 @@
           <a:p>
             <a:fld id="{5D7C6876-A6E7-1843-987D-7573B8E4B848}" type="datetimeFigureOut">
               <a:rPr lang="es-CO" smtClean="0"/>
-              <a:t>27/02/2025</a:t>
+              <a:t>5/03/2025</a:t>
             </a:fld>
             <a:endParaRPr lang="es-CO"/>
           </a:p>
@@ -2092,7 +2091,7 @@
           <a:p>
             <a:fld id="{5D7C6876-A6E7-1843-987D-7573B8E4B848}" type="datetimeFigureOut">
               <a:rPr lang="es-CO" smtClean="0"/>
-              <a:t>27/02/2025</a:t>
+              <a:t>5/03/2025</a:t>
             </a:fld>
             <a:endParaRPr lang="es-CO"/>
           </a:p>
@@ -2504,7 +2503,7 @@
           <a:p>
             <a:fld id="{5D7C6876-A6E7-1843-987D-7573B8E4B848}" type="datetimeFigureOut">
               <a:rPr lang="es-CO" smtClean="0"/>
-              <a:t>27/02/2025</a:t>
+              <a:t>5/03/2025</a:t>
             </a:fld>
             <a:endParaRPr lang="es-CO"/>
           </a:p>
@@ -2645,7 +2644,7 @@
           <a:p>
             <a:fld id="{5D7C6876-A6E7-1843-987D-7573B8E4B848}" type="datetimeFigureOut">
               <a:rPr lang="es-CO" smtClean="0"/>
-              <a:t>27/02/2025</a:t>
+              <a:t>5/03/2025</a:t>
             </a:fld>
             <a:endParaRPr lang="es-CO"/>
           </a:p>
@@ -2758,7 +2757,7 @@
           <a:p>
             <a:fld id="{5D7C6876-A6E7-1843-987D-7573B8E4B848}" type="datetimeFigureOut">
               <a:rPr lang="es-CO" smtClean="0"/>
-              <a:t>27/02/2025</a:t>
+              <a:t>5/03/2025</a:t>
             </a:fld>
             <a:endParaRPr lang="es-CO"/>
           </a:p>
@@ -3069,7 +3068,7 @@
           <a:p>
             <a:fld id="{5D7C6876-A6E7-1843-987D-7573B8E4B848}" type="datetimeFigureOut">
               <a:rPr lang="es-CO" smtClean="0"/>
-              <a:t>27/02/2025</a:t>
+              <a:t>5/03/2025</a:t>
             </a:fld>
             <a:endParaRPr lang="es-CO"/>
           </a:p>
@@ -3360,7 +3359,7 @@
           <a:p>
             <a:fld id="{5D7C6876-A6E7-1843-987D-7573B8E4B848}" type="datetimeFigureOut">
               <a:rPr lang="es-CO" smtClean="0"/>
-              <a:t>27/02/2025</a:t>
+              <a:t>5/03/2025</a:t>
             </a:fld>
             <a:endParaRPr lang="es-CO"/>
           </a:p>
@@ -3601,7 +3600,7 @@
           <a:p>
             <a:fld id="{5D7C6876-A6E7-1843-987D-7573B8E4B848}" type="datetimeFigureOut">
               <a:rPr lang="es-CO" smtClean="0"/>
-              <a:t>27/02/2025</a:t>
+              <a:t>5/03/2025</a:t>
             </a:fld>
             <a:endParaRPr lang="es-CO"/>
           </a:p>
@@ -6978,135 +6977,6 @@
           <a:p>
             <a:r>
               <a:rPr lang="en-US" dirty="0"/>
-              <a:t>Software Architect</a:t>
-            </a:r>
-          </a:p>
-        </p:txBody>
-      </p:sp>
-      <p:sp>
-        <p:nvSpPr>
-          <p:cNvPr id="5" name="Content Placeholder 4">
-            <a:extLst>
-              <a:ext uri="{FF2B5EF4-FFF2-40B4-BE49-F238E27FC236}">
-                <a16:creationId xmlns:a16="http://schemas.microsoft.com/office/drawing/2014/main" id="{D99FBBBF-9DCF-E987-402B-F830CFECBF8E}"/>
-              </a:ext>
-            </a:extLst>
-          </p:cNvPr>
-          <p:cNvSpPr>
-            <a:spLocks noGrp="1"/>
-          </p:cNvSpPr>
-          <p:nvPr>
-            <p:ph idx="1"/>
-          </p:nvPr>
-        </p:nvSpPr>
-        <p:spPr/>
-        <p:txBody>
-          <a:bodyPr>
-            <a:normAutofit/>
-          </a:bodyPr>
-          <a:lstStyle/>
-          <a:p>
-            <a:r>
-              <a:rPr lang="en-US" dirty="0"/>
-              <a:t>Please review Design Patterns; we covered this topic in earlier sessions</a:t>
-            </a:r>
-          </a:p>
-          <a:p>
-            <a:pPr lvl="1"/>
-            <a:endParaRPr lang="en-US" dirty="0"/>
-          </a:p>
-        </p:txBody>
-      </p:sp>
-      <p:sp>
-        <p:nvSpPr>
-          <p:cNvPr id="6" name="Text Placeholder 5">
-            <a:extLst>
-              <a:ext uri="{FF2B5EF4-FFF2-40B4-BE49-F238E27FC236}">
-                <a16:creationId xmlns:a16="http://schemas.microsoft.com/office/drawing/2014/main" id="{3FBC9FEC-1F57-C81A-2F97-DA32C9D80419}"/>
-              </a:ext>
-            </a:extLst>
-          </p:cNvPr>
-          <p:cNvSpPr>
-            <a:spLocks noGrp="1"/>
-          </p:cNvSpPr>
-          <p:nvPr>
-            <p:ph type="body" idx="4294967295"/>
-          </p:nvPr>
-        </p:nvSpPr>
-        <p:spPr>
-          <a:xfrm>
-            <a:off x="0" y="420688"/>
-            <a:ext cx="3751263" cy="365125"/>
-          </a:xfrm>
-        </p:spPr>
-        <p:txBody>
-          <a:bodyPr>
-            <a:normAutofit fontScale="85000" lnSpcReduction="20000"/>
-          </a:bodyPr>
-          <a:lstStyle/>
-          <a:p>
-            <a:r>
-              <a:rPr lang="en-US" dirty="0"/>
-              <a:t> </a:t>
-            </a:r>
-          </a:p>
-        </p:txBody>
-      </p:sp>
-    </p:spTree>
-    <p:extLst>
-      <p:ext uri="{BB962C8B-B14F-4D97-AF65-F5344CB8AC3E}">
-        <p14:creationId xmlns:p14="http://schemas.microsoft.com/office/powerpoint/2010/main" val="1609479025"/>
-      </p:ext>
-    </p:extLst>
-  </p:cSld>
-  <p:clrMapOvr>
-    <a:masterClrMapping/>
-  </p:clrMapOvr>
-</p:sld>
-</file>
-
-<file path=ppt/slides/slide17.xml><?xml version="1.0" encoding="utf-8"?>
-<p:sld xmlns:a="http://schemas.openxmlformats.org/drawingml/2006/main" xmlns:r="http://schemas.openxmlformats.org/officeDocument/2006/relationships" xmlns:p="http://schemas.openxmlformats.org/presentationml/2006/main">
-  <p:cSld>
-    <p:spTree>
-      <p:nvGrpSpPr>
-        <p:cNvPr id="1" name=""/>
-        <p:cNvGrpSpPr/>
-        <p:nvPr/>
-      </p:nvGrpSpPr>
-      <p:grpSpPr>
-        <a:xfrm>
-          <a:off x="0" y="0"/>
-          <a:ext cx="0" cy="0"/>
-          <a:chOff x="0" y="0"/>
-          <a:chExt cx="0" cy="0"/>
-        </a:xfrm>
-      </p:grpSpPr>
-      <p:sp>
-        <p:nvSpPr>
-          <p:cNvPr id="4" name="Title 3">
-            <a:extLst>
-              <a:ext uri="{FF2B5EF4-FFF2-40B4-BE49-F238E27FC236}">
-                <a16:creationId xmlns:a16="http://schemas.microsoft.com/office/drawing/2014/main" id="{74AC89FA-B7EC-8E05-EA7F-493093EE43A7}"/>
-              </a:ext>
-            </a:extLst>
-          </p:cNvPr>
-          <p:cNvSpPr>
-            <a:spLocks noGrp="1"/>
-          </p:cNvSpPr>
-          <p:nvPr>
-            <p:ph type="title"/>
-          </p:nvPr>
-        </p:nvSpPr>
-        <p:spPr/>
-        <p:txBody>
-          <a:bodyPr>
-            <a:normAutofit fontScale="90000"/>
-          </a:bodyPr>
-          <a:lstStyle/>
-          <a:p>
-            <a:r>
-              <a:rPr lang="en-US" dirty="0"/>
               <a:t>Agile Architecture</a:t>
             </a:r>
           </a:p>
@@ -7311,7 +7181,7 @@
 </p:sld>
 </file>
 
-<file path=ppt/slides/slide18.xml><?xml version="1.0" encoding="utf-8"?>
+<file path=ppt/slides/slide17.xml><?xml version="1.0" encoding="utf-8"?>
 <p:sld xmlns:a="http://schemas.openxmlformats.org/drawingml/2006/main" xmlns:r="http://schemas.openxmlformats.org/officeDocument/2006/relationships" xmlns:p="http://schemas.openxmlformats.org/presentationml/2006/main">
   <p:cSld>
     <p:spTree>
@@ -10713,6 +10583,15 @@
 </file>
 
 <file path=customXml/item1.xml><?xml version="1.0" encoding="utf-8"?>
+<?mso-contentType ?>
+<FormTemplates xmlns="http://schemas.microsoft.com/sharepoint/v3/contenttype/forms">
+  <Display>DocumentLibraryForm</Display>
+  <Edit>DocumentLibraryForm</Edit>
+  <New>DocumentLibraryForm</New>
+</FormTemplates>
+</file>
+
+<file path=customXml/item2.xml><?xml version="1.0" encoding="utf-8"?>
 <p:properties xmlns:p="http://schemas.microsoft.com/office/2006/metadata/properties" xmlns:xsi="http://www.w3.org/2001/XMLSchema-instance" xmlns:pc="http://schemas.microsoft.com/office/infopath/2007/PartnerControls">
   <documentManagement>
     <lcf76f155ced4ddcb4097134ff3c332f xmlns="986c2aee-ed5d-4f8c-9a97-a123ff0f41d6">
@@ -10721,15 +10600,6 @@
     <TaxCatchAll xmlns="3dc4ad75-eb7a-4335-b796-582b00f977f8" xsi:nil="true"/>
   </documentManagement>
 </p:properties>
-</file>
-
-<file path=customXml/item2.xml><?xml version="1.0" encoding="utf-8"?>
-<?mso-contentType ?>
-<FormTemplates xmlns="http://schemas.microsoft.com/sharepoint/v3/contenttype/forms">
-  <Display>DocumentLibraryForm</Display>
-  <Edit>DocumentLibraryForm</Edit>
-  <New>DocumentLibraryForm</New>
-</FormTemplates>
 </file>
 
 <file path=customXml/item3.xml><?xml version="1.0" encoding="utf-8"?>
@@ -10942,6 +10812,14 @@
 </file>
 
 <file path=customXml/itemProps1.xml><?xml version="1.0" encoding="utf-8"?>
+<ds:datastoreItem xmlns:ds="http://schemas.openxmlformats.org/officeDocument/2006/customXml" ds:itemID="{54B8C7C7-268A-471B-B609-F14FCD4C456D}">
+  <ds:schemaRefs>
+    <ds:schemaRef ds:uri="http://schemas.microsoft.com/sharepoint/v3/contenttype/forms"/>
+  </ds:schemaRefs>
+</ds:datastoreItem>
+</file>
+
+<file path=customXml/itemProps2.xml><?xml version="1.0" encoding="utf-8"?>
 <ds:datastoreItem xmlns:ds="http://schemas.openxmlformats.org/officeDocument/2006/customXml" ds:itemID="{06EDF194-86FA-43FC-AA21-E535409CCAE8}">
   <ds:schemaRefs>
     <ds:schemaRef ds:uri="http://schemas.microsoft.com/office/2006/metadata/properties"/>
@@ -10949,14 +10827,6 @@
     <ds:schemaRef ds:uri="http://schemas.microsoft.com/office/infopath/2007/PartnerControls"/>
     <ds:schemaRef ds:uri="986c2aee-ed5d-4f8c-9a97-a123ff0f41d6"/>
     <ds:schemaRef ds:uri="3dc4ad75-eb7a-4335-b796-582b00f977f8"/>
-  </ds:schemaRefs>
-</ds:datastoreItem>
-</file>
-
-<file path=customXml/itemProps2.xml><?xml version="1.0" encoding="utf-8"?>
-<ds:datastoreItem xmlns:ds="http://schemas.openxmlformats.org/officeDocument/2006/customXml" ds:itemID="{54B8C7C7-268A-471B-B609-F14FCD4C456D}">
-  <ds:schemaRefs>
-    <ds:schemaRef ds:uri="http://schemas.microsoft.com/sharepoint/v3/contenttype/forms"/>
   </ds:schemaRefs>
 </ds:datastoreItem>
 </file>

--- a/Clases/01-Fundamentals/SoftwareArchitecture-01-Fundamentals.pptx
+++ b/Clases/01-Fundamentals/SoftwareArchitecture-01-Fundamentals.pptx
@@ -343,7 +343,7 @@
           <a:p>
             <a:fld id="{5D7C6876-A6E7-1843-987D-7573B8E4B848}" type="datetimeFigureOut">
               <a:rPr lang="es-CO" smtClean="0"/>
-              <a:t>5/03/2025</a:t>
+              <a:t>19/03/2025</a:t>
             </a:fld>
             <a:endParaRPr lang="es-CO"/>
           </a:p>
@@ -577,7 +577,7 @@
           <a:p>
             <a:fld id="{5D7C6876-A6E7-1843-987D-7573B8E4B848}" type="datetimeFigureOut">
               <a:rPr lang="es-CO" smtClean="0"/>
-              <a:t>5/03/2025</a:t>
+              <a:t>19/03/2025</a:t>
             </a:fld>
             <a:endParaRPr lang="es-CO"/>
           </a:p>
@@ -785,7 +785,7 @@
           <a:p>
             <a:fld id="{5D7C6876-A6E7-1843-987D-7573B8E4B848}" type="datetimeFigureOut">
               <a:rPr lang="es-CO" smtClean="0"/>
-              <a:t>5/03/2025</a:t>
+              <a:t>19/03/2025</a:t>
             </a:fld>
             <a:endParaRPr lang="es-CO"/>
           </a:p>
@@ -1085,7 +1085,7 @@
           <a:p>
             <a:fld id="{5D7C6876-A6E7-1843-987D-7573B8E4B848}" type="datetimeFigureOut">
               <a:rPr lang="es-CO" smtClean="0"/>
-              <a:t>5/03/2025</a:t>
+              <a:t>19/03/2025</a:t>
             </a:fld>
             <a:endParaRPr lang="es-CO"/>
           </a:p>
@@ -1499,7 +1499,7 @@
           <a:p>
             <a:fld id="{5D7C6876-A6E7-1843-987D-7573B8E4B848}" type="datetimeFigureOut">
               <a:rPr lang="es-CO" smtClean="0"/>
-              <a:t>5/03/2025</a:t>
+              <a:t>19/03/2025</a:t>
             </a:fld>
             <a:endParaRPr lang="es-CO"/>
           </a:p>
@@ -1826,7 +1826,7 @@
           <a:p>
             <a:fld id="{5D7C6876-A6E7-1843-987D-7573B8E4B848}" type="datetimeFigureOut">
               <a:rPr lang="es-CO" smtClean="0"/>
-              <a:t>5/03/2025</a:t>
+              <a:t>19/03/2025</a:t>
             </a:fld>
             <a:endParaRPr lang="es-CO"/>
           </a:p>
@@ -2091,7 +2091,7 @@
           <a:p>
             <a:fld id="{5D7C6876-A6E7-1843-987D-7573B8E4B848}" type="datetimeFigureOut">
               <a:rPr lang="es-CO" smtClean="0"/>
-              <a:t>5/03/2025</a:t>
+              <a:t>19/03/2025</a:t>
             </a:fld>
             <a:endParaRPr lang="es-CO"/>
           </a:p>
@@ -2503,7 +2503,7 @@
           <a:p>
             <a:fld id="{5D7C6876-A6E7-1843-987D-7573B8E4B848}" type="datetimeFigureOut">
               <a:rPr lang="es-CO" smtClean="0"/>
-              <a:t>5/03/2025</a:t>
+              <a:t>19/03/2025</a:t>
             </a:fld>
             <a:endParaRPr lang="es-CO"/>
           </a:p>
@@ -2644,7 +2644,7 @@
           <a:p>
             <a:fld id="{5D7C6876-A6E7-1843-987D-7573B8E4B848}" type="datetimeFigureOut">
               <a:rPr lang="es-CO" smtClean="0"/>
-              <a:t>5/03/2025</a:t>
+              <a:t>19/03/2025</a:t>
             </a:fld>
             <a:endParaRPr lang="es-CO"/>
           </a:p>
@@ -2757,7 +2757,7 @@
           <a:p>
             <a:fld id="{5D7C6876-A6E7-1843-987D-7573B8E4B848}" type="datetimeFigureOut">
               <a:rPr lang="es-CO" smtClean="0"/>
-              <a:t>5/03/2025</a:t>
+              <a:t>19/03/2025</a:t>
             </a:fld>
             <a:endParaRPr lang="es-CO"/>
           </a:p>
@@ -3068,7 +3068,7 @@
           <a:p>
             <a:fld id="{5D7C6876-A6E7-1843-987D-7573B8E4B848}" type="datetimeFigureOut">
               <a:rPr lang="es-CO" smtClean="0"/>
-              <a:t>5/03/2025</a:t>
+              <a:t>19/03/2025</a:t>
             </a:fld>
             <a:endParaRPr lang="es-CO"/>
           </a:p>
@@ -3359,7 +3359,7 @@
           <a:p>
             <a:fld id="{5D7C6876-A6E7-1843-987D-7573B8E4B848}" type="datetimeFigureOut">
               <a:rPr lang="es-CO" smtClean="0"/>
-              <a:t>5/03/2025</a:t>
+              <a:t>19/03/2025</a:t>
             </a:fld>
             <a:endParaRPr lang="es-CO"/>
           </a:p>
@@ -3600,7 +3600,7 @@
           <a:p>
             <a:fld id="{5D7C6876-A6E7-1843-987D-7573B8E4B848}" type="datetimeFigureOut">
               <a:rPr lang="es-CO" smtClean="0"/>
-              <a:t>5/03/2025</a:t>
+              <a:t>19/03/2025</a:t>
             </a:fld>
             <a:endParaRPr lang="es-CO"/>
           </a:p>
@@ -4215,12 +4215,25 @@
             <a:br>
               <a:rPr lang="es-CO" sz="4000" b="1" dirty="0">
                 <a:solidFill>
-                  <a:schemeClr val="bg1"/>
+                  <a:srgbClr val="FFFF00"/>
                 </a:solidFill>
                 <a:latin typeface="+mn-lt"/>
               </a:rPr>
             </a:br>
-            <a:endParaRPr lang="es-CO" sz="4000" dirty="0"/>
+            <a:r>
+              <a:rPr lang="es-CO" sz="4000" b="1" dirty="0">
+                <a:solidFill>
+                  <a:srgbClr val="FFFF00"/>
+                </a:solidFill>
+                <a:latin typeface="+mn-lt"/>
+              </a:rPr>
+              <a:t>Fundamentals</a:t>
+            </a:r>
+            <a:endParaRPr lang="es-CO" sz="4000" dirty="0">
+              <a:solidFill>
+                <a:srgbClr val="FFFF00"/>
+              </a:solidFill>
+            </a:endParaRPr>
           </a:p>
         </p:txBody>
       </p:sp>
@@ -10592,17 +10605,6 @@
 </file>
 
 <file path=customXml/item2.xml><?xml version="1.0" encoding="utf-8"?>
-<p:properties xmlns:p="http://schemas.microsoft.com/office/2006/metadata/properties" xmlns:xsi="http://www.w3.org/2001/XMLSchema-instance" xmlns:pc="http://schemas.microsoft.com/office/infopath/2007/PartnerControls">
-  <documentManagement>
-    <lcf76f155ced4ddcb4097134ff3c332f xmlns="986c2aee-ed5d-4f8c-9a97-a123ff0f41d6">
-      <Terms xmlns="http://schemas.microsoft.com/office/infopath/2007/PartnerControls"/>
-    </lcf76f155ced4ddcb4097134ff3c332f>
-    <TaxCatchAll xmlns="3dc4ad75-eb7a-4335-b796-582b00f977f8" xsi:nil="true"/>
-  </documentManagement>
-</p:properties>
-</file>
-
-<file path=customXml/item3.xml><?xml version="1.0" encoding="utf-8"?>
 <ct:contentTypeSchema xmlns:ct="http://schemas.microsoft.com/office/2006/metadata/contentType" xmlns:ma="http://schemas.microsoft.com/office/2006/metadata/properties/metaAttributes" ct:_="" ma:_="" ma:contentTypeName="Document" ma:contentTypeID="0x010100DD885558AB6A744F858F199523AA4F79" ma:contentTypeVersion="14" ma:contentTypeDescription="Create a new document." ma:contentTypeScope="" ma:versionID="0d7e2d77a35f50d24e5cfea0c15e27e2">
   <xsd:schema xmlns:xsd="http://www.w3.org/2001/XMLSchema" xmlns:xs="http://www.w3.org/2001/XMLSchema" xmlns:p="http://schemas.microsoft.com/office/2006/metadata/properties" xmlns:ns2="986c2aee-ed5d-4f8c-9a97-a123ff0f41d6" xmlns:ns3="3dc4ad75-eb7a-4335-b796-582b00f977f8" targetNamespace="http://schemas.microsoft.com/office/2006/metadata/properties" ma:root="true" ma:fieldsID="98180309d84f6e93ca95db4211fcb1fe" ns2:_="" ns3:_="">
     <xsd:import namespace="986c2aee-ed5d-4f8c-9a97-a123ff0f41d6"/>
@@ -10811,6 +10813,17 @@
 </ct:contentTypeSchema>
 </file>
 
+<file path=customXml/item3.xml><?xml version="1.0" encoding="utf-8"?>
+<p:properties xmlns:p="http://schemas.microsoft.com/office/2006/metadata/properties" xmlns:xsi="http://www.w3.org/2001/XMLSchema-instance" xmlns:pc="http://schemas.microsoft.com/office/infopath/2007/PartnerControls">
+  <documentManagement>
+    <lcf76f155ced4ddcb4097134ff3c332f xmlns="986c2aee-ed5d-4f8c-9a97-a123ff0f41d6">
+      <Terms xmlns="http://schemas.microsoft.com/office/infopath/2007/PartnerControls"/>
+    </lcf76f155ced4ddcb4097134ff3c332f>
+    <TaxCatchAll xmlns="3dc4ad75-eb7a-4335-b796-582b00f977f8" xsi:nil="true"/>
+  </documentManagement>
+</p:properties>
+</file>
+
 <file path=customXml/itemProps1.xml><?xml version="1.0" encoding="utf-8"?>
 <ds:datastoreItem xmlns:ds="http://schemas.openxmlformats.org/officeDocument/2006/customXml" ds:itemID="{54B8C7C7-268A-471B-B609-F14FCD4C456D}">
   <ds:schemaRefs>
@@ -10820,18 +10833,6 @@
 </file>
 
 <file path=customXml/itemProps2.xml><?xml version="1.0" encoding="utf-8"?>
-<ds:datastoreItem xmlns:ds="http://schemas.openxmlformats.org/officeDocument/2006/customXml" ds:itemID="{06EDF194-86FA-43FC-AA21-E535409CCAE8}">
-  <ds:schemaRefs>
-    <ds:schemaRef ds:uri="http://schemas.microsoft.com/office/2006/metadata/properties"/>
-    <ds:schemaRef ds:uri="http://www.w3.org/2000/xmlns/"/>
-    <ds:schemaRef ds:uri="http://schemas.microsoft.com/office/infopath/2007/PartnerControls"/>
-    <ds:schemaRef ds:uri="986c2aee-ed5d-4f8c-9a97-a123ff0f41d6"/>
-    <ds:schemaRef ds:uri="3dc4ad75-eb7a-4335-b796-582b00f977f8"/>
-  </ds:schemaRefs>
-</ds:datastoreItem>
-</file>
-
-<file path=customXml/itemProps3.xml><?xml version="1.0" encoding="utf-8"?>
 <ds:datastoreItem xmlns:ds="http://schemas.openxmlformats.org/officeDocument/2006/customXml" ds:itemID="{716BFC68-38EA-4C0C-85FC-6CF4D3E55561}">
   <ds:schemaRefs>
     <ds:schemaRef ds:uri="http://schemas.microsoft.com/office/2006/metadata/contentType"/>
@@ -10848,4 +10849,16 @@
     <ds:schemaRef ds:uri="http://schemas.microsoft.com/internal/obd"/>
   </ds:schemaRefs>
 </ds:datastoreItem>
+</file>
+
+<file path=customXml/itemProps3.xml><?xml version="1.0" encoding="utf-8"?>
+<ds:datastoreItem xmlns:ds="http://schemas.openxmlformats.org/officeDocument/2006/customXml" ds:itemID="{06EDF194-86FA-43FC-AA21-E535409CCAE8}">
+  <ds:schemaRefs>
+    <ds:schemaRef ds:uri="http://schemas.microsoft.com/office/2006/metadata/properties"/>
+    <ds:schemaRef ds:uri="http://www.w3.org/2000/xmlns/"/>
+    <ds:schemaRef ds:uri="http://schemas.microsoft.com/office/infopath/2007/PartnerControls"/>
+    <ds:schemaRef ds:uri="986c2aee-ed5d-4f8c-9a97-a123ff0f41d6"/>
+    <ds:schemaRef ds:uri="3dc4ad75-eb7a-4335-b796-582b00f977f8"/>
+  </ds:schemaRefs>
+</ds:datastoreItem>
 </file>